--- a/optimization-methods-for-artificial-intelligence/neuroevolution.pptx
+++ b/optimization-methods-for-artificial-intelligence/neuroevolution.pptx
@@ -230,7 +230,7 @@
           <a:p>
             <a:fld id="{99FEC0C2-1727-4F36-A9C1-C418BA5C7C71}" type="datetimeFigureOut">
               <a:rPr lang="en-US" smtClean="0"/>
-              <a:t>7/11/2023</a:t>
+              <a:t>5/28/2024</a:t>
             </a:fld>
             <a:endParaRPr lang="en-US"/>
           </a:p>
@@ -8451,14 +8451,7 @@
           <a:p>
             <a:r>
               <a:rPr lang="en-US" dirty="0"/>
-              <a:t>Lamarck was wrong, but some of his ideas </a:t>
-            </a:r>
-            <a:br>
-              <a:rPr lang="en-US" dirty="0"/>
-            </a:br>
-            <a:r>
-              <a:rPr lang="en-US" dirty="0"/>
-              <a:t>are usable</a:t>
+              <a:t>Lamarck was wrong, his ideas are usable</a:t>
             </a:r>
           </a:p>
           <a:p>
@@ -9080,7 +9073,7 @@
       </p:sp>
       <p:pic>
         <p:nvPicPr>
-          <p:cNvPr id="3074" name="Picture 2" descr="Regex by Trial and Error : r/ProgrammerHumor">
+          <p:cNvPr id="3074" name="Picture 2">
             <a:extLst>
               <a:ext uri="{FF2B5EF4-FFF2-40B4-BE49-F238E27FC236}">
                 <a16:creationId xmlns:a16="http://schemas.microsoft.com/office/drawing/2014/main" id="{38B99036-4510-46AF-B6CE-A6A0900D3097}"/>
@@ -9101,14 +9094,12 @@
             </a:extLst>
           </a:blip>
           <a:srcRect/>
-          <a:stretch>
-            <a:fillRect/>
-          </a:stretch>
+          <a:stretch/>
         </p:blipFill>
         <p:spPr bwMode="auto">
           <a:xfrm>
-            <a:off x="7791736" y="1423358"/>
-            <a:ext cx="3562064" cy="4675817"/>
+            <a:off x="8461889" y="1527022"/>
+            <a:ext cx="3161361" cy="4151807"/>
           </a:xfrm>
           <a:prstGeom prst="rect">
             <a:avLst/>
